--- a/Slides/Gambling 2/Gambling_2_Lecture.pptx
+++ b/Slides/Gambling 2/Gambling_2_Lecture.pptx
@@ -222,7 +222,7 @@
           <a:p>
             <a:fld id="{C04E5E84-956F-4423-97B3-5936A6D8EEEE}" type="datetimeFigureOut">
               <a:rPr lang="en-US" smtClean="0"/>
-              <a:t>11/8/2019</a:t>
+              <a:t>9/17/2020</a:t>
             </a:fld>
             <a:endParaRPr lang="en-US"/>
           </a:p>
@@ -892,7 +892,7 @@
           <a:p>
             <a:fld id="{3881C039-66A3-4640-815B-3B5A8B7D868D}" type="datetimeFigureOut">
               <a:rPr lang="en-US" smtClean="0"/>
-              <a:t>11/8/2019</a:t>
+              <a:t>9/17/2020</a:t>
             </a:fld>
             <a:endParaRPr lang="en-US"/>
           </a:p>
@@ -1076,7 +1076,7 @@
           <a:p>
             <a:fld id="{3881C039-66A3-4640-815B-3B5A8B7D868D}" type="datetimeFigureOut">
               <a:rPr lang="en-US" smtClean="0"/>
-              <a:t>11/8/2019</a:t>
+              <a:t>9/17/2020</a:t>
             </a:fld>
             <a:endParaRPr lang="en-US"/>
           </a:p>
@@ -1256,7 +1256,7 @@
           <a:p>
             <a:fld id="{3881C039-66A3-4640-815B-3B5A8B7D868D}" type="datetimeFigureOut">
               <a:rPr lang="en-US" smtClean="0"/>
-              <a:t>11/8/2019</a:t>
+              <a:t>9/17/2020</a:t>
             </a:fld>
             <a:endParaRPr lang="en-US"/>
           </a:p>
@@ -1426,7 +1426,7 @@
           <a:p>
             <a:fld id="{3881C039-66A3-4640-815B-3B5A8B7D868D}" type="datetimeFigureOut">
               <a:rPr lang="en-US" smtClean="0"/>
-              <a:t>11/8/2019</a:t>
+              <a:t>9/17/2020</a:t>
             </a:fld>
             <a:endParaRPr lang="en-US"/>
           </a:p>
@@ -1739,7 +1739,7 @@
           <a:p>
             <a:fld id="{3881C039-66A3-4640-815B-3B5A8B7D868D}" type="datetimeFigureOut">
               <a:rPr lang="en-US" smtClean="0"/>
-              <a:t>11/8/2019</a:t>
+              <a:t>9/17/2020</a:t>
             </a:fld>
             <a:endParaRPr lang="en-US"/>
           </a:p>
@@ -2125,7 +2125,7 @@
           <a:p>
             <a:fld id="{3881C039-66A3-4640-815B-3B5A8B7D868D}" type="datetimeFigureOut">
               <a:rPr lang="en-US" smtClean="0"/>
-              <a:t>11/8/2019</a:t>
+              <a:t>9/17/2020</a:t>
             </a:fld>
             <a:endParaRPr lang="en-US"/>
           </a:p>
@@ -2559,7 +2559,7 @@
           <a:p>
             <a:fld id="{3881C039-66A3-4640-815B-3B5A8B7D868D}" type="datetimeFigureOut">
               <a:rPr lang="en-US" smtClean="0"/>
-              <a:t>11/8/2019</a:t>
+              <a:t>9/17/2020</a:t>
             </a:fld>
             <a:endParaRPr lang="en-US"/>
           </a:p>
@@ -2677,7 +2677,7 @@
           <a:p>
             <a:fld id="{3881C039-66A3-4640-815B-3B5A8B7D868D}" type="datetimeFigureOut">
               <a:rPr lang="en-US" smtClean="0"/>
-              <a:t>11/8/2019</a:t>
+              <a:t>9/17/2020</a:t>
             </a:fld>
             <a:endParaRPr lang="en-US"/>
           </a:p>
@@ -2772,7 +2772,7 @@
           <a:p>
             <a:fld id="{3881C039-66A3-4640-815B-3B5A8B7D868D}" type="datetimeFigureOut">
               <a:rPr lang="en-US" smtClean="0"/>
-              <a:t>11/8/2019</a:t>
+              <a:t>9/17/2020</a:t>
             </a:fld>
             <a:endParaRPr lang="en-US"/>
           </a:p>
@@ -3127,7 +3127,7 @@
           <a:p>
             <a:fld id="{3881C039-66A3-4640-815B-3B5A8B7D868D}" type="datetimeFigureOut">
               <a:rPr lang="en-US" smtClean="0"/>
-              <a:t>11/8/2019</a:t>
+              <a:t>9/17/2020</a:t>
             </a:fld>
             <a:endParaRPr lang="en-US"/>
           </a:p>
@@ -3557,7 +3557,7 @@
           <a:p>
             <a:fld id="{3881C039-66A3-4640-815B-3B5A8B7D868D}" type="datetimeFigureOut">
               <a:rPr lang="en-US" smtClean="0"/>
-              <a:t>11/8/2019</a:t>
+              <a:t>9/17/2020</a:t>
             </a:fld>
             <a:endParaRPr lang="en-US"/>
           </a:p>
@@ -3838,7 +3838,7 @@
           <a:p>
             <a:fld id="{3881C039-66A3-4640-815B-3B5A8B7D868D}" type="datetimeFigureOut">
               <a:rPr lang="en-US" smtClean="0"/>
-              <a:t>11/8/2019</a:t>
+              <a:t>9/17/2020</a:t>
             </a:fld>
             <a:endParaRPr lang="en-US"/>
           </a:p>
@@ -10299,8 +10299,8 @@
         </p:nvSpPr>
         <p:spPr>
           <a:xfrm>
-            <a:off x="6612666" y="3836951"/>
-            <a:ext cx="5291112" cy="4050792"/>
+            <a:off x="5847370" y="4339547"/>
+            <a:ext cx="6249125" cy="4050792"/>
           </a:xfrm>
           <a:prstGeom prst="rect">
             <a:avLst/>
@@ -10564,7 +10564,22 @@
                 </a:solidFill>
                 <a:latin typeface="Selawik Semibold" panose="020B0702040204020203" pitchFamily="34" charset="0"/>
               </a:rPr>
-              <a:t>The only bet that I would make is on Jeffrey Epstein not killing himself.</a:t>
+              <a:t>If you don’t remember history, </a:t>
+            </a:r>
+          </a:p>
+          <a:p>
+            <a:pPr algn="r"/>
+            <a:r>
+              <a:rPr lang="en-US" sz="3200" dirty="0">
+                <a:solidFill>
+                  <a:schemeClr val="accent5">
+                    <a:lumMod val="60000"/>
+                    <a:lumOff val="40000"/>
+                  </a:schemeClr>
+                </a:solidFill>
+                <a:latin typeface="Selawik Semibold" panose="020B0702040204020203" pitchFamily="34" charset="0"/>
+              </a:rPr>
+              <a:t>you won’t know if you repeat it.</a:t>
             </a:r>
           </a:p>
           <a:p>

--- a/Slides/Gambling 2/Gambling_2_Lecture.pptx
+++ b/Slides/Gambling 2/Gambling_2_Lecture.pptx
@@ -222,7 +222,7 @@
           <a:p>
             <a:fld id="{C04E5E84-956F-4423-97B3-5936A6D8EEEE}" type="datetimeFigureOut">
               <a:rPr lang="en-US" smtClean="0"/>
-              <a:t>9/17/2020</a:t>
+              <a:t>4/25/2021</a:t>
             </a:fld>
             <a:endParaRPr lang="en-US"/>
           </a:p>
@@ -892,7 +892,7 @@
           <a:p>
             <a:fld id="{3881C039-66A3-4640-815B-3B5A8B7D868D}" type="datetimeFigureOut">
               <a:rPr lang="en-US" smtClean="0"/>
-              <a:t>9/17/2020</a:t>
+              <a:t>4/25/2021</a:t>
             </a:fld>
             <a:endParaRPr lang="en-US"/>
           </a:p>
@@ -1076,7 +1076,7 @@
           <a:p>
             <a:fld id="{3881C039-66A3-4640-815B-3B5A8B7D868D}" type="datetimeFigureOut">
               <a:rPr lang="en-US" smtClean="0"/>
-              <a:t>9/17/2020</a:t>
+              <a:t>4/25/2021</a:t>
             </a:fld>
             <a:endParaRPr lang="en-US"/>
           </a:p>
@@ -1256,7 +1256,7 @@
           <a:p>
             <a:fld id="{3881C039-66A3-4640-815B-3B5A8B7D868D}" type="datetimeFigureOut">
               <a:rPr lang="en-US" smtClean="0"/>
-              <a:t>9/17/2020</a:t>
+              <a:t>4/25/2021</a:t>
             </a:fld>
             <a:endParaRPr lang="en-US"/>
           </a:p>
@@ -1426,7 +1426,7 @@
           <a:p>
             <a:fld id="{3881C039-66A3-4640-815B-3B5A8B7D868D}" type="datetimeFigureOut">
               <a:rPr lang="en-US" smtClean="0"/>
-              <a:t>9/17/2020</a:t>
+              <a:t>4/25/2021</a:t>
             </a:fld>
             <a:endParaRPr lang="en-US"/>
           </a:p>
@@ -1739,7 +1739,7 @@
           <a:p>
             <a:fld id="{3881C039-66A3-4640-815B-3B5A8B7D868D}" type="datetimeFigureOut">
               <a:rPr lang="en-US" smtClean="0"/>
-              <a:t>9/17/2020</a:t>
+              <a:t>4/25/2021</a:t>
             </a:fld>
             <a:endParaRPr lang="en-US"/>
           </a:p>
@@ -2125,7 +2125,7 @@
           <a:p>
             <a:fld id="{3881C039-66A3-4640-815B-3B5A8B7D868D}" type="datetimeFigureOut">
               <a:rPr lang="en-US" smtClean="0"/>
-              <a:t>9/17/2020</a:t>
+              <a:t>4/25/2021</a:t>
             </a:fld>
             <a:endParaRPr lang="en-US"/>
           </a:p>
@@ -2559,7 +2559,7 @@
           <a:p>
             <a:fld id="{3881C039-66A3-4640-815B-3B5A8B7D868D}" type="datetimeFigureOut">
               <a:rPr lang="en-US" smtClean="0"/>
-              <a:t>9/17/2020</a:t>
+              <a:t>4/25/2021</a:t>
             </a:fld>
             <a:endParaRPr lang="en-US"/>
           </a:p>
@@ -2677,7 +2677,7 @@
           <a:p>
             <a:fld id="{3881C039-66A3-4640-815B-3B5A8B7D868D}" type="datetimeFigureOut">
               <a:rPr lang="en-US" smtClean="0"/>
-              <a:t>9/17/2020</a:t>
+              <a:t>4/25/2021</a:t>
             </a:fld>
             <a:endParaRPr lang="en-US"/>
           </a:p>
@@ -2772,7 +2772,7 @@
           <a:p>
             <a:fld id="{3881C039-66A3-4640-815B-3B5A8B7D868D}" type="datetimeFigureOut">
               <a:rPr lang="en-US" smtClean="0"/>
-              <a:t>9/17/2020</a:t>
+              <a:t>4/25/2021</a:t>
             </a:fld>
             <a:endParaRPr lang="en-US"/>
           </a:p>
@@ -3127,7 +3127,7 @@
           <a:p>
             <a:fld id="{3881C039-66A3-4640-815B-3B5A8B7D868D}" type="datetimeFigureOut">
               <a:rPr lang="en-US" smtClean="0"/>
-              <a:t>9/17/2020</a:t>
+              <a:t>4/25/2021</a:t>
             </a:fld>
             <a:endParaRPr lang="en-US"/>
           </a:p>
@@ -3557,7 +3557,7 @@
           <a:p>
             <a:fld id="{3881C039-66A3-4640-815B-3B5A8B7D868D}" type="datetimeFigureOut">
               <a:rPr lang="en-US" smtClean="0"/>
-              <a:t>9/17/2020</a:t>
+              <a:t>4/25/2021</a:t>
             </a:fld>
             <a:endParaRPr lang="en-US"/>
           </a:p>
@@ -3838,7 +3838,7 @@
           <a:p>
             <a:fld id="{3881C039-66A3-4640-815B-3B5A8B7D868D}" type="datetimeFigureOut">
               <a:rPr lang="en-US" smtClean="0"/>
-              <a:t>9/17/2020</a:t>
+              <a:t>4/25/2021</a:t>
             </a:fld>
             <a:endParaRPr lang="en-US"/>
           </a:p>
@@ -4752,8 +4752,49 @@
                 <a:effectLst/>
                 <a:latin typeface="Selawik Semibold" panose="020B0702040204020203" pitchFamily="34" charset="0"/>
               </a:rPr>
-              <a:t>UNC STOR 390</a:t>
+              <a:t>UNC </a:t>
             </a:r>
+            <a:r>
+              <a:rPr lang="en-US" sz="2400">
+                <a:ln>
+                  <a:noFill/>
+                </a:ln>
+                <a:solidFill>
+                  <a:schemeClr val="accent5">
+                    <a:lumMod val="60000"/>
+                    <a:lumOff val="40000"/>
+                  </a:schemeClr>
+                </a:solidFill>
+                <a:effectLst/>
+                <a:latin typeface="Selawik Semibold" panose="020B0702040204020203" pitchFamily="34" charset="0"/>
+              </a:rPr>
+              <a:t>STOR </a:t>
+            </a:r>
+            <a:r>
+              <a:rPr lang="en-US" sz="2400">
+                <a:solidFill>
+                  <a:schemeClr val="accent5">
+                    <a:lumMod val="60000"/>
+                    <a:lumOff val="40000"/>
+                  </a:schemeClr>
+                </a:solidFill>
+                <a:latin typeface="Selawik Semibold" panose="020B0702040204020203" pitchFamily="34" charset="0"/>
+              </a:rPr>
+              <a:t>538</a:t>
+            </a:r>
+            <a:endParaRPr lang="en-US" sz="2400" dirty="0">
+              <a:ln>
+                <a:noFill/>
+              </a:ln>
+              <a:solidFill>
+                <a:schemeClr val="accent5">
+                  <a:lumMod val="60000"/>
+                  <a:lumOff val="40000"/>
+                </a:schemeClr>
+              </a:solidFill>
+              <a:effectLst/>
+              <a:latin typeface="Selawik Semibold" panose="020B0702040204020203" pitchFamily="34" charset="0"/>
+            </a:endParaRPr>
           </a:p>
         </p:txBody>
       </p:sp>

--- a/Slides/Gambling 2/Gambling_2_Lecture.pptx
+++ b/Slides/Gambling 2/Gambling_2_Lecture.pptx
@@ -222,7 +222,7 @@
           <a:p>
             <a:fld id="{C04E5E84-956F-4423-97B3-5936A6D8EEEE}" type="datetimeFigureOut">
               <a:rPr lang="en-US" smtClean="0"/>
-              <a:t>4/25/2021</a:t>
+              <a:t>4/23/2023</a:t>
             </a:fld>
             <a:endParaRPr lang="en-US"/>
           </a:p>
@@ -892,7 +892,7 @@
           <a:p>
             <a:fld id="{3881C039-66A3-4640-815B-3B5A8B7D868D}" type="datetimeFigureOut">
               <a:rPr lang="en-US" smtClean="0"/>
-              <a:t>4/25/2021</a:t>
+              <a:t>4/23/2023</a:t>
             </a:fld>
             <a:endParaRPr lang="en-US"/>
           </a:p>
@@ -1076,7 +1076,7 @@
           <a:p>
             <a:fld id="{3881C039-66A3-4640-815B-3B5A8B7D868D}" type="datetimeFigureOut">
               <a:rPr lang="en-US" smtClean="0"/>
-              <a:t>4/25/2021</a:t>
+              <a:t>4/23/2023</a:t>
             </a:fld>
             <a:endParaRPr lang="en-US"/>
           </a:p>
@@ -1256,7 +1256,7 @@
           <a:p>
             <a:fld id="{3881C039-66A3-4640-815B-3B5A8B7D868D}" type="datetimeFigureOut">
               <a:rPr lang="en-US" smtClean="0"/>
-              <a:t>4/25/2021</a:t>
+              <a:t>4/23/2023</a:t>
             </a:fld>
             <a:endParaRPr lang="en-US"/>
           </a:p>
@@ -1426,7 +1426,7 @@
           <a:p>
             <a:fld id="{3881C039-66A3-4640-815B-3B5A8B7D868D}" type="datetimeFigureOut">
               <a:rPr lang="en-US" smtClean="0"/>
-              <a:t>4/25/2021</a:t>
+              <a:t>4/23/2023</a:t>
             </a:fld>
             <a:endParaRPr lang="en-US"/>
           </a:p>
@@ -1739,7 +1739,7 @@
           <a:p>
             <a:fld id="{3881C039-66A3-4640-815B-3B5A8B7D868D}" type="datetimeFigureOut">
               <a:rPr lang="en-US" smtClean="0"/>
-              <a:t>4/25/2021</a:t>
+              <a:t>4/23/2023</a:t>
             </a:fld>
             <a:endParaRPr lang="en-US"/>
           </a:p>
@@ -2125,7 +2125,7 @@
           <a:p>
             <a:fld id="{3881C039-66A3-4640-815B-3B5A8B7D868D}" type="datetimeFigureOut">
               <a:rPr lang="en-US" smtClean="0"/>
-              <a:t>4/25/2021</a:t>
+              <a:t>4/23/2023</a:t>
             </a:fld>
             <a:endParaRPr lang="en-US"/>
           </a:p>
@@ -2559,7 +2559,7 @@
           <a:p>
             <a:fld id="{3881C039-66A3-4640-815B-3B5A8B7D868D}" type="datetimeFigureOut">
               <a:rPr lang="en-US" smtClean="0"/>
-              <a:t>4/25/2021</a:t>
+              <a:t>4/23/2023</a:t>
             </a:fld>
             <a:endParaRPr lang="en-US"/>
           </a:p>
@@ -2677,7 +2677,7 @@
           <a:p>
             <a:fld id="{3881C039-66A3-4640-815B-3B5A8B7D868D}" type="datetimeFigureOut">
               <a:rPr lang="en-US" smtClean="0"/>
-              <a:t>4/25/2021</a:t>
+              <a:t>4/23/2023</a:t>
             </a:fld>
             <a:endParaRPr lang="en-US"/>
           </a:p>
@@ -2772,7 +2772,7 @@
           <a:p>
             <a:fld id="{3881C039-66A3-4640-815B-3B5A8B7D868D}" type="datetimeFigureOut">
               <a:rPr lang="en-US" smtClean="0"/>
-              <a:t>4/25/2021</a:t>
+              <a:t>4/23/2023</a:t>
             </a:fld>
             <a:endParaRPr lang="en-US"/>
           </a:p>
@@ -3127,7 +3127,7 @@
           <a:p>
             <a:fld id="{3881C039-66A3-4640-815B-3B5A8B7D868D}" type="datetimeFigureOut">
               <a:rPr lang="en-US" smtClean="0"/>
-              <a:t>4/25/2021</a:t>
+              <a:t>4/23/2023</a:t>
             </a:fld>
             <a:endParaRPr lang="en-US"/>
           </a:p>
@@ -3557,7 +3557,7 @@
           <a:p>
             <a:fld id="{3881C039-66A3-4640-815B-3B5A8B7D868D}" type="datetimeFigureOut">
               <a:rPr lang="en-US" smtClean="0"/>
-              <a:t>4/25/2021</a:t>
+              <a:t>4/23/2023</a:t>
             </a:fld>
             <a:endParaRPr lang="en-US"/>
           </a:p>
@@ -3838,7 +3838,7 @@
           <a:p>
             <a:fld id="{3881C039-66A3-4640-815B-3B5A8B7D868D}" type="datetimeFigureOut">
               <a:rPr lang="en-US" smtClean="0"/>
-              <a:t>4/25/2021</a:t>
+              <a:t>4/23/2023</a:t>
             </a:fld>
             <a:endParaRPr lang="en-US"/>
           </a:p>
@@ -12669,7 +12669,7 @@
                 </a:solidFill>
                 <a:latin typeface="Selawik Semibold" panose="020B0702040204020203" pitchFamily="34" charset="0"/>
               </a:rPr>
-              <a:t>Example of Power Ratings from 2006</a:t>
+              <a:t>Example of Power Ratings from 2016</a:t>
             </a:r>
           </a:p>
           <a:p>
@@ -12856,41 +12856,6 @@
           </a:effectLst>
         </p:spPr>
       </p:pic>
-      <p:pic>
-        <p:nvPicPr>
-          <p:cNvPr id="3" name="Picture 2">
-            <a:extLst>
-              <a:ext uri="{FF2B5EF4-FFF2-40B4-BE49-F238E27FC236}">
-                <a16:creationId xmlns:a16="http://schemas.microsoft.com/office/drawing/2014/main" id="{97DD7739-D23E-4FBE-9504-D820A61DC56A}"/>
-              </a:ext>
-            </a:extLst>
-          </p:cNvPr>
-          <p:cNvPicPr>
-            <a:picLocks noChangeAspect="1"/>
-          </p:cNvPicPr>
-          <p:nvPr/>
-        </p:nvPicPr>
-        <p:blipFill>
-          <a:blip r:embed="rId5"/>
-          <a:stretch>
-            <a:fillRect/>
-          </a:stretch>
-        </p:blipFill>
-        <p:spPr>
-          <a:xfrm>
-            <a:off x="2977016" y="2967193"/>
-            <a:ext cx="4594221" cy="2488968"/>
-          </a:xfrm>
-          <a:prstGeom prst="rect">
-            <a:avLst/>
-          </a:prstGeom>
-          <a:ln w="38100">
-            <a:solidFill>
-              <a:srgbClr val="9B2D1F"/>
-            </a:solidFill>
-          </a:ln>
-        </p:spPr>
-      </p:pic>
       <p:cxnSp>
         <p:nvCxnSpPr>
           <p:cNvPr id="8" name="Straight Arrow Connector 7">
@@ -12907,7 +12872,7 @@
         </p:nvCxnSpPr>
         <p:spPr>
           <a:xfrm flipV="1">
-            <a:off x="7583293" y="4467700"/>
+            <a:off x="7442053" y="4341705"/>
             <a:ext cx="1128545" cy="848859"/>
           </a:xfrm>
           <a:prstGeom prst="straightConnector1">
@@ -12949,7 +12914,7 @@
         </p:nvSpPr>
         <p:spPr>
           <a:xfrm>
-            <a:off x="8711838" y="4236868"/>
+            <a:off x="8570598" y="4018943"/>
             <a:ext cx="2485767" cy="461665"/>
           </a:xfrm>
           <a:prstGeom prst="rect">
@@ -12976,6 +12941,41 @@
           </a:p>
         </p:txBody>
       </p:sp>
+      <p:pic>
+        <p:nvPicPr>
+          <p:cNvPr id="6" name="Picture 5">
+            <a:extLst>
+              <a:ext uri="{FF2B5EF4-FFF2-40B4-BE49-F238E27FC236}">
+                <a16:creationId xmlns:a16="http://schemas.microsoft.com/office/drawing/2014/main" id="{66207437-C085-0058-6D11-AA503B5518D1}"/>
+              </a:ext>
+            </a:extLst>
+          </p:cNvPr>
+          <p:cNvPicPr>
+            <a:picLocks noChangeAspect="1"/>
+          </p:cNvPicPr>
+          <p:nvPr/>
+        </p:nvPicPr>
+        <p:blipFill>
+          <a:blip r:embed="rId5"/>
+          <a:stretch>
+            <a:fillRect/>
+          </a:stretch>
+        </p:blipFill>
+        <p:spPr>
+          <a:xfrm>
+            <a:off x="2895859" y="3163909"/>
+            <a:ext cx="4486275" cy="2152650"/>
+          </a:xfrm>
+          <a:prstGeom prst="rect">
+            <a:avLst/>
+          </a:prstGeom>
+          <a:ln w="28575">
+            <a:solidFill>
+              <a:srgbClr val="9B2D1F"/>
+            </a:solidFill>
+          </a:ln>
+        </p:spPr>
+      </p:pic>
     </p:spTree>
     <p:extLst>
       <p:ext uri="{BB962C8B-B14F-4D97-AF65-F5344CB8AC3E}">
@@ -13520,7 +13520,7 @@
                 </a:solidFill>
                 <a:latin typeface="Selawik Semibold" panose="020B0702040204020203" pitchFamily="34" charset="0"/>
               </a:rPr>
-              <a:t>Example: Expect Panthers to be 5 Points Better Than Average Team Would Mean Their Rating is +5</a:t>
+              <a:t>Example: Expect Panthers to be 1 Point Worse Than Average Team Would Mean Their Rating is -1</a:t>
             </a:r>
           </a:p>
           <a:p>
@@ -17073,7 +17073,7 @@
                 </a:solidFill>
                 <a:latin typeface="Selawik Semibold" panose="020B0702040204020203" pitchFamily="34" charset="0"/>
               </a:rPr>
-              <a:t>Example from 2006</a:t>
+              <a:t>Example from 2016</a:t>
             </a:r>
           </a:p>
           <a:p>
@@ -17347,10 +17347,10 @@
       </p:pic>
       <p:pic>
         <p:nvPicPr>
-          <p:cNvPr id="3" name="Picture 2">
+          <p:cNvPr id="6" name="Picture 5">
             <a:extLst>
               <a:ext uri="{FF2B5EF4-FFF2-40B4-BE49-F238E27FC236}">
-                <a16:creationId xmlns:a16="http://schemas.microsoft.com/office/drawing/2014/main" id="{48DF59EC-AE3B-4EC0-8AF0-36FF8B2E87CF}"/>
+                <a16:creationId xmlns:a16="http://schemas.microsoft.com/office/drawing/2014/main" id="{8EA8699D-2EEB-61B1-DFF5-B364262A295D}"/>
               </a:ext>
             </a:extLst>
           </p:cNvPr>
@@ -17367,13 +17367,13 @@
         </p:blipFill>
         <p:spPr>
           <a:xfrm>
-            <a:off x="3256561" y="2705674"/>
-            <a:ext cx="4280582" cy="2135804"/>
+            <a:off x="3233531" y="2707999"/>
+            <a:ext cx="6501774" cy="2311262"/>
           </a:xfrm>
           <a:prstGeom prst="rect">
             <a:avLst/>
           </a:prstGeom>
-          <a:ln w="38100">
+          <a:ln w="28575">
             <a:solidFill>
               <a:srgbClr val="9B2D1F"/>
             </a:solidFill>
@@ -17587,7 +17587,7 @@
         <p:spPr>
           <a:xfrm>
             <a:off x="2677457" y="1541441"/>
-            <a:ext cx="8723359" cy="3649123"/>
+            <a:ext cx="8723359" cy="5525281"/>
           </a:xfrm>
           <a:prstGeom prst="rect">
             <a:avLst/>
@@ -17839,6 +17839,104 @@
               </a:defRPr>
             </a:lvl9pPr>
           </a:lstStyle>
+          <a:p>
+            <a:pPr>
+              <a:buClr>
+                <a:schemeClr val="bg2">
+                  <a:lumMod val="90000"/>
+                </a:schemeClr>
+              </a:buClr>
+              <a:buSzPct val="100000"/>
+            </a:pPr>
+            <a:r>
+              <a:rPr lang="en-US" sz="2400" dirty="0">
+                <a:solidFill>
+                  <a:schemeClr val="accent5">
+                    <a:lumMod val="60000"/>
+                    <a:lumOff val="40000"/>
+                  </a:schemeClr>
+                </a:solidFill>
+                <a:latin typeface="Selawik Semibold" panose="020B0702040204020203" pitchFamily="34" charset="0"/>
+              </a:rPr>
+              <a:t>Comparison</a:t>
+            </a:r>
+          </a:p>
+          <a:p>
+            <a:pPr>
+              <a:buClr>
+                <a:schemeClr val="bg2">
+                  <a:lumMod val="90000"/>
+                </a:schemeClr>
+              </a:buClr>
+              <a:buSzPct val="100000"/>
+            </a:pPr>
+            <a:endParaRPr lang="en-US" sz="2400" dirty="0">
+              <a:solidFill>
+                <a:schemeClr val="accent5">
+                  <a:lumMod val="60000"/>
+                  <a:lumOff val="40000"/>
+                </a:schemeClr>
+              </a:solidFill>
+              <a:latin typeface="Selawik Semibold" panose="020B0702040204020203" pitchFamily="34" charset="0"/>
+            </a:endParaRPr>
+          </a:p>
+          <a:p>
+            <a:pPr>
+              <a:buClr>
+                <a:schemeClr val="bg2">
+                  <a:lumMod val="90000"/>
+                </a:schemeClr>
+              </a:buClr>
+              <a:buSzPct val="100000"/>
+            </a:pPr>
+            <a:endParaRPr lang="en-US" sz="2400" dirty="0">
+              <a:solidFill>
+                <a:schemeClr val="accent5">
+                  <a:lumMod val="60000"/>
+                  <a:lumOff val="40000"/>
+                </a:schemeClr>
+              </a:solidFill>
+              <a:latin typeface="Selawik Semibold" panose="020B0702040204020203" pitchFamily="34" charset="0"/>
+            </a:endParaRPr>
+          </a:p>
+          <a:p>
+            <a:pPr>
+              <a:buClr>
+                <a:schemeClr val="bg2">
+                  <a:lumMod val="90000"/>
+                </a:schemeClr>
+              </a:buClr>
+              <a:buSzPct val="100000"/>
+            </a:pPr>
+            <a:endParaRPr lang="en-US" sz="2400" dirty="0">
+              <a:solidFill>
+                <a:schemeClr val="accent5">
+                  <a:lumMod val="60000"/>
+                  <a:lumOff val="40000"/>
+                </a:schemeClr>
+              </a:solidFill>
+              <a:latin typeface="Selawik Semibold" panose="020B0702040204020203" pitchFamily="34" charset="0"/>
+            </a:endParaRPr>
+          </a:p>
+          <a:p>
+            <a:pPr>
+              <a:buClr>
+                <a:schemeClr val="bg2">
+                  <a:lumMod val="90000"/>
+                </a:schemeClr>
+              </a:buClr>
+              <a:buSzPct val="100000"/>
+            </a:pPr>
+            <a:endParaRPr lang="en-US" sz="2400" dirty="0">
+              <a:solidFill>
+                <a:schemeClr val="accent5">
+                  <a:lumMod val="60000"/>
+                  <a:lumOff val="40000"/>
+                </a:schemeClr>
+              </a:solidFill>
+              <a:latin typeface="Selawik Semibold" panose="020B0702040204020203" pitchFamily="34" charset="0"/>
+            </a:endParaRPr>
+          </a:p>
           <a:p>
             <a:pPr>
               <a:buClr>
@@ -18062,6 +18160,126 @@
           </a:effectLst>
         </p:spPr>
       </p:pic>
+      <p:pic>
+        <p:nvPicPr>
+          <p:cNvPr id="4" name="Picture 3">
+            <a:extLst>
+              <a:ext uri="{FF2B5EF4-FFF2-40B4-BE49-F238E27FC236}">
+                <a16:creationId xmlns:a16="http://schemas.microsoft.com/office/drawing/2014/main" id="{5DCB0AD1-16B6-9CAB-D5D4-3B2C0B1F62B2}"/>
+              </a:ext>
+            </a:extLst>
+          </p:cNvPr>
+          <p:cNvPicPr>
+            <a:picLocks noChangeAspect="1"/>
+          </p:cNvPicPr>
+          <p:nvPr/>
+        </p:nvPicPr>
+        <p:blipFill>
+          <a:blip r:embed="rId5"/>
+          <a:stretch>
+            <a:fillRect/>
+          </a:stretch>
+        </p:blipFill>
+        <p:spPr>
+          <a:xfrm>
+            <a:off x="5858143" y="1298196"/>
+            <a:ext cx="5542673" cy="2472271"/>
+          </a:xfrm>
+          <a:prstGeom prst="rect">
+            <a:avLst/>
+          </a:prstGeom>
+          <a:ln w="28575">
+            <a:solidFill>
+              <a:srgbClr val="9B2D1F"/>
+            </a:solidFill>
+          </a:ln>
+        </p:spPr>
+      </p:pic>
+      <p:cxnSp>
+        <p:nvCxnSpPr>
+          <p:cNvPr id="6" name="Straight Arrow Connector 5">
+            <a:extLst>
+              <a:ext uri="{FF2B5EF4-FFF2-40B4-BE49-F238E27FC236}">
+                <a16:creationId xmlns:a16="http://schemas.microsoft.com/office/drawing/2014/main" id="{EBDD81AA-C43B-65D8-ACC8-EA05F056174E}"/>
+              </a:ext>
+            </a:extLst>
+          </p:cNvPr>
+          <p:cNvCxnSpPr>
+            <a:cxnSpLocks/>
+          </p:cNvCxnSpPr>
+          <p:nvPr/>
+        </p:nvCxnSpPr>
+        <p:spPr>
+          <a:xfrm>
+            <a:off x="4782249" y="3091841"/>
+            <a:ext cx="1000523" cy="616226"/>
+          </a:xfrm>
+          <a:prstGeom prst="straightConnector1">
+            <a:avLst/>
+          </a:prstGeom>
+          <a:ln w="57150">
+            <a:solidFill>
+              <a:srgbClr val="9B2D1F"/>
+            </a:solidFill>
+            <a:tailEnd type="triangle"/>
+          </a:ln>
+        </p:spPr>
+        <p:style>
+          <a:lnRef idx="1">
+            <a:schemeClr val="accent1"/>
+          </a:lnRef>
+          <a:fillRef idx="0">
+            <a:schemeClr val="accent1"/>
+          </a:fillRef>
+          <a:effectRef idx="0">
+            <a:schemeClr val="accent1"/>
+          </a:effectRef>
+          <a:fontRef idx="minor">
+            <a:schemeClr val="tx1"/>
+          </a:fontRef>
+        </p:style>
+      </p:cxnSp>
+      <p:sp>
+        <p:nvSpPr>
+          <p:cNvPr id="11" name="TextBox 10">
+            <a:extLst>
+              <a:ext uri="{FF2B5EF4-FFF2-40B4-BE49-F238E27FC236}">
+                <a16:creationId xmlns:a16="http://schemas.microsoft.com/office/drawing/2014/main" id="{00927307-BB83-7CBA-0599-28C35988CB23}"/>
+              </a:ext>
+            </a:extLst>
+          </p:cNvPr>
+          <p:cNvSpPr txBox="1"/>
+          <p:nvPr/>
+        </p:nvSpPr>
+        <p:spPr>
+          <a:xfrm>
+            <a:off x="2110800" y="2630176"/>
+            <a:ext cx="3460334" cy="461665"/>
+          </a:xfrm>
+          <a:prstGeom prst="rect">
+            <a:avLst/>
+          </a:prstGeom>
+          <a:noFill/>
+        </p:spPr>
+        <p:txBody>
+          <a:bodyPr wrap="square" rtlCol="0">
+            <a:spAutoFit/>
+          </a:bodyPr>
+          <a:lstStyle/>
+          <a:p>
+            <a:r>
+              <a:rPr lang="en-US" sz="2400" dirty="0">
+                <a:solidFill>
+                  <a:srgbClr val="BDB5B6"/>
+                </a:solidFill>
+                <a:latin typeface="Calibri" panose="020F0502020204030204" pitchFamily="34" charset="0"/>
+                <a:cs typeface="Calibri" panose="020F0502020204030204" pitchFamily="34" charset="0"/>
+              </a:rPr>
+              <a:t>Now the Clowns Are Last</a:t>
+            </a:r>
+          </a:p>
+        </p:txBody>
+      </p:sp>
     </p:spTree>
     <p:extLst>
       <p:ext uri="{BB962C8B-B14F-4D97-AF65-F5344CB8AC3E}">
